--- a/lections/1/cpp_craft_intro.pptx
+++ b/lections/1/cpp_craft_intro.pptx
@@ -3088,11 +3088,7 @@
             </a:r>
             <a:r>
               <a:rPr lang="en-US" dirty="0" smtClean="0"/>
-              <a:t>Craft: </a:t>
-            </a:r>
-            <a:r>
-              <a:rPr lang="en-US" dirty="0" smtClean="0"/>
-              <a:t>Intro</a:t>
+              <a:t>Craft: Intro</a:t>
             </a:r>
             <a:endParaRPr lang="en-US" dirty="0"/>
           </a:p>
@@ -3721,7 +3717,7 @@
         </p:spPr>
         <p:txBody>
           <a:bodyPr>
-            <a:normAutofit fontScale="77500" lnSpcReduction="20000"/>
+            <a:normAutofit fontScale="70000" lnSpcReduction="20000"/>
           </a:bodyPr>
           <a:lstStyle/>
           <a:p>
@@ -3772,6 +3768,44 @@
                 </a:schemeClr>
               </a:solidFill>
             </a:endParaRPr>
+          </a:p>
+          <a:p>
+            <a:r>
+              <a:rPr lang="ru-RU" dirty="0" smtClean="0"/>
+              <a:t>Выполнить инс</a:t>
+            </a:r>
+            <a:r>
+              <a:rPr lang="ru-RU" dirty="0" smtClean="0"/>
+              <a:t>т</a:t>
+            </a:r>
+            <a:r>
+              <a:rPr lang="ru-RU" dirty="0" smtClean="0"/>
+              <a:t>рукции описанные в </a:t>
+            </a:r>
+            <a:r>
+              <a:rPr lang="en-US" dirty="0" smtClean="0"/>
+              <a:t>readme.md: </a:t>
+            </a:r>
+            <a:r>
+              <a:rPr lang="ru-RU" dirty="0" smtClean="0"/>
+              <a:t>создать свой каталог, добавить </a:t>
+            </a:r>
+            <a:r>
+              <a:rPr lang="en-US" dirty="0" smtClean="0"/>
+              <a:t>readme.txt</a:t>
+            </a:r>
+            <a:r>
+              <a:rPr lang="ru-RU" dirty="0" smtClean="0"/>
+              <a:t>, добавить в </a:t>
+            </a:r>
+            <a:r>
+              <a:rPr lang="en-US" dirty="0" err="1" smtClean="0"/>
+              <a:t>skype</a:t>
+            </a:r>
+            <a:r>
+              <a:rPr lang="en-US" dirty="0" smtClean="0"/>
+              <a:t> imorozov87.</a:t>
+            </a:r>
           </a:p>
           <a:p>
             <a:endParaRPr lang="en-US" b="1" dirty="0" smtClean="0">

--- a/lections/1/cpp_craft_intro.pptx
+++ b/lections/1/cpp_craft_intro.pptx
@@ -3772,15 +3772,7 @@
           <a:p>
             <a:r>
               <a:rPr lang="ru-RU" dirty="0" smtClean="0"/>
-              <a:t>Выполнить инс</a:t>
-            </a:r>
-            <a:r>
-              <a:rPr lang="ru-RU" dirty="0" smtClean="0"/>
-              <a:t>т</a:t>
-            </a:r>
-            <a:r>
-              <a:rPr lang="ru-RU" dirty="0" smtClean="0"/>
-              <a:t>рукции описанные в </a:t>
+              <a:t>Выполнить инструкции описанные в </a:t>
             </a:r>
             <a:r>
               <a:rPr lang="en-US" dirty="0" smtClean="0"/>
@@ -4299,7 +4291,9 @@
           </a:xfrm>
         </p:spPr>
         <p:txBody>
-          <a:bodyPr/>
+          <a:bodyPr>
+            <a:normAutofit lnSpcReduction="10000"/>
+          </a:bodyPr>
           <a:lstStyle/>
           <a:p>
             <a:r>
@@ -4311,11 +4305,76 @@
           <a:p>
             <a:r>
               <a:rPr lang="ru-RU" dirty="0" smtClean="0"/>
-              <a:t>Пример 001_</a:t>
+              <a:t>Пример</a:t>
+            </a:r>
+            <a:r>
+              <a:rPr lang="en-US" dirty="0" smtClean="0"/>
+              <a:t>:</a:t>
+            </a:r>
+            <a:endParaRPr lang="ru-RU" dirty="0" smtClean="0"/>
+          </a:p>
+          <a:p>
+            <a:pPr>
+              <a:buNone/>
+            </a:pPr>
+            <a:r>
+              <a:rPr lang="ru-RU" dirty="0" smtClean="0"/>
+              <a:t>	</a:t>
+            </a:r>
+            <a:r>
+              <a:rPr lang="en-US" dirty="0" smtClean="0"/>
+              <a:t>lections\1\</a:t>
+            </a:r>
+            <a:r>
+              <a:rPr lang="en-US" dirty="0" err="1" smtClean="0"/>
+              <a:t>code_examples</a:t>
+            </a:r>
+            <a:r>
+              <a:rPr lang="en-US" dirty="0" smtClean="0"/>
+              <a:t>\</a:t>
             </a:r>
             <a:r>
               <a:rPr lang="en-US" dirty="0" err="1" smtClean="0"/>
               <a:t>cmake_example</a:t>
+            </a:r>
+            <a:endParaRPr lang="en-US" dirty="0" smtClean="0"/>
+          </a:p>
+          <a:p>
+            <a:pPr>
+              <a:buNone/>
+            </a:pPr>
+            <a:r>
+              <a:rPr lang="en-US" dirty="0" smtClean="0"/>
+              <a:t> </a:t>
+            </a:r>
+            <a:r>
+              <a:rPr lang="ru-RU" dirty="0" smtClean="0"/>
+              <a:t>или</a:t>
+            </a:r>
+          </a:p>
+          <a:p>
+            <a:pPr>
+              <a:buNone/>
+            </a:pPr>
+            <a:r>
+              <a:rPr lang="ru-RU" dirty="0" smtClean="0"/>
+              <a:t>	</a:t>
+            </a:r>
+            <a:r>
+              <a:rPr lang="en-US" dirty="0" smtClean="0"/>
+              <a:t>solutions\</a:t>
+            </a:r>
+            <a:r>
+              <a:rPr lang="en-US" dirty="0" err="1" smtClean="0"/>
+              <a:t>ihar_marozau</a:t>
+            </a:r>
+            <a:r>
+              <a:rPr lang="en-US" dirty="0" smtClean="0"/>
+              <a:t>\1</a:t>
+            </a:r>
+            <a:r>
+              <a:rPr lang="en-US" dirty="0" smtClean="0"/>
+              <a:t>\ </a:t>
             </a:r>
             <a:endParaRPr lang="en-US" dirty="0" smtClean="0"/>
           </a:p>

--- a/lections/1/cpp_craft_intro.pptx
+++ b/lections/1/cpp_craft_intro.pptx
@@ -297,7 +297,7 @@
             <a:fld id="{9B5BD596-6C39-4EB8-A14B-146CFC1C1D63}" type="datetimeFigureOut">
               <a:rPr lang="en-US" smtClean="0"/>
               <a:pPr/>
-              <a:t>3/4/2014</a:t>
+              <a:t>3/6/2014</a:t>
             </a:fld>
             <a:endParaRPr lang="en-US"/>
           </a:p>
@@ -464,7 +464,7 @@
             <a:fld id="{9B5BD596-6C39-4EB8-A14B-146CFC1C1D63}" type="datetimeFigureOut">
               <a:rPr lang="en-US" smtClean="0"/>
               <a:pPr/>
-              <a:t>3/4/2014</a:t>
+              <a:t>3/6/2014</a:t>
             </a:fld>
             <a:endParaRPr lang="en-US"/>
           </a:p>
@@ -641,7 +641,7 @@
             <a:fld id="{9B5BD596-6C39-4EB8-A14B-146CFC1C1D63}" type="datetimeFigureOut">
               <a:rPr lang="en-US" smtClean="0"/>
               <a:pPr/>
-              <a:t>3/4/2014</a:t>
+              <a:t>3/6/2014</a:t>
             </a:fld>
             <a:endParaRPr lang="en-US"/>
           </a:p>
@@ -808,7 +808,7 @@
             <a:fld id="{9B5BD596-6C39-4EB8-A14B-146CFC1C1D63}" type="datetimeFigureOut">
               <a:rPr lang="en-US" smtClean="0"/>
               <a:pPr/>
-              <a:t>3/4/2014</a:t>
+              <a:t>3/6/2014</a:t>
             </a:fld>
             <a:endParaRPr lang="en-US"/>
           </a:p>
@@ -1051,7 +1051,7 @@
             <a:fld id="{9B5BD596-6C39-4EB8-A14B-146CFC1C1D63}" type="datetimeFigureOut">
               <a:rPr lang="en-US" smtClean="0"/>
               <a:pPr/>
-              <a:t>3/4/2014</a:t>
+              <a:t>3/6/2014</a:t>
             </a:fld>
             <a:endParaRPr lang="en-US"/>
           </a:p>
@@ -1336,7 +1336,7 @@
             <a:fld id="{9B5BD596-6C39-4EB8-A14B-146CFC1C1D63}" type="datetimeFigureOut">
               <a:rPr lang="en-US" smtClean="0"/>
               <a:pPr/>
-              <a:t>3/4/2014</a:t>
+              <a:t>3/6/2014</a:t>
             </a:fld>
             <a:endParaRPr lang="en-US"/>
           </a:p>
@@ -1755,7 +1755,7 @@
             <a:fld id="{9B5BD596-6C39-4EB8-A14B-146CFC1C1D63}" type="datetimeFigureOut">
               <a:rPr lang="en-US" smtClean="0"/>
               <a:pPr/>
-              <a:t>3/4/2014</a:t>
+              <a:t>3/6/2014</a:t>
             </a:fld>
             <a:endParaRPr lang="en-US"/>
           </a:p>
@@ -1870,7 +1870,7 @@
             <a:fld id="{9B5BD596-6C39-4EB8-A14B-146CFC1C1D63}" type="datetimeFigureOut">
               <a:rPr lang="en-US" smtClean="0"/>
               <a:pPr/>
-              <a:t>3/4/2014</a:t>
+              <a:t>3/6/2014</a:t>
             </a:fld>
             <a:endParaRPr lang="en-US"/>
           </a:p>
@@ -1962,7 +1962,7 @@
             <a:fld id="{9B5BD596-6C39-4EB8-A14B-146CFC1C1D63}" type="datetimeFigureOut">
               <a:rPr lang="en-US" smtClean="0"/>
               <a:pPr/>
-              <a:t>3/4/2014</a:t>
+              <a:t>3/6/2014</a:t>
             </a:fld>
             <a:endParaRPr lang="en-US"/>
           </a:p>
@@ -2236,7 +2236,7 @@
             <a:fld id="{9B5BD596-6C39-4EB8-A14B-146CFC1C1D63}" type="datetimeFigureOut">
               <a:rPr lang="en-US" smtClean="0"/>
               <a:pPr/>
-              <a:t>3/4/2014</a:t>
+              <a:t>3/6/2014</a:t>
             </a:fld>
             <a:endParaRPr lang="en-US"/>
           </a:p>
@@ -2486,7 +2486,7 @@
             <a:fld id="{9B5BD596-6C39-4EB8-A14B-146CFC1C1D63}" type="datetimeFigureOut">
               <a:rPr lang="en-US" smtClean="0"/>
               <a:pPr/>
-              <a:t>3/4/2014</a:t>
+              <a:t>3/6/2014</a:t>
             </a:fld>
             <a:endParaRPr lang="en-US"/>
           </a:p>
@@ -2696,7 +2696,7 @@
             <a:fld id="{9B5BD596-6C39-4EB8-A14B-146CFC1C1D63}" type="datetimeFigureOut">
               <a:rPr lang="en-US" smtClean="0"/>
               <a:pPr/>
-              <a:t>3/4/2014</a:t>
+              <a:t>3/6/2014</a:t>
             </a:fld>
             <a:endParaRPr lang="en-US"/>
           </a:p>
@@ -3717,9 +3717,80 @@
         </p:spPr>
         <p:txBody>
           <a:bodyPr>
-            <a:normAutofit fontScale="70000" lnSpcReduction="20000"/>
+            <a:normAutofit fontScale="62500" lnSpcReduction="20000"/>
           </a:bodyPr>
           <a:lstStyle/>
+          <a:p>
+            <a:r>
+              <a:rPr lang="ru-RU" b="1" dirty="0" smtClean="0">
+                <a:solidFill>
+                  <a:schemeClr val="accent2">
+                    <a:lumMod val="75000"/>
+                  </a:schemeClr>
+                </a:solidFill>
+              </a:rPr>
+              <a:t>сделать </a:t>
+            </a:r>
+            <a:r>
+              <a:rPr lang="en-US" b="1" dirty="0" smtClean="0">
+                <a:solidFill>
+                  <a:schemeClr val="accent2">
+                    <a:lumMod val="75000"/>
+                  </a:schemeClr>
+                </a:solidFill>
+              </a:rPr>
+              <a:t>fork </a:t>
+            </a:r>
+            <a:r>
+              <a:rPr lang="ru-RU" b="1" dirty="0" err="1" smtClean="0">
+                <a:solidFill>
+                  <a:schemeClr val="accent2">
+                    <a:lumMod val="75000"/>
+                  </a:schemeClr>
+                </a:solidFill>
+              </a:rPr>
+              <a:t>репозитория</a:t>
+            </a:r>
+            <a:r>
+              <a:rPr lang="ru-RU" b="1" dirty="0" smtClean="0">
+                <a:solidFill>
+                  <a:schemeClr val="accent2">
+                    <a:lumMod val="75000"/>
+                  </a:schemeClr>
+                </a:solidFill>
+              </a:rPr>
+              <a:t> </a:t>
+            </a:r>
+            <a:r>
+              <a:rPr lang="en-US" b="1" dirty="0" smtClean="0">
+                <a:solidFill>
+                  <a:schemeClr val="accent2">
+                    <a:lumMod val="75000"/>
+                  </a:schemeClr>
+                </a:solidFill>
+                <a:hlinkClick r:id="rId2"/>
+              </a:rPr>
+              <a:t>https://</a:t>
+            </a:r>
+            <a:r>
+              <a:rPr lang="en-US" b="1" dirty="0" smtClean="0">
+                <a:solidFill>
+                  <a:schemeClr val="accent2">
+                    <a:lumMod val="75000"/>
+                  </a:schemeClr>
+                </a:solidFill>
+                <a:hlinkClick r:id="rId2"/>
+              </a:rPr>
+              <a:t>github.com/marozau/cpp_craft_0314</a:t>
+            </a:r>
+            <a:endParaRPr lang="en-US" b="1" dirty="0" smtClean="0">
+              <a:solidFill>
+                <a:schemeClr val="accent2">
+                  <a:lumMod val="75000"/>
+                </a:schemeClr>
+              </a:solidFill>
+            </a:endParaRPr>
+          </a:p>
           <a:p>
             <a:r>
               <a:rPr lang="en-US" b="1" dirty="0" err="1" smtClean="0">
@@ -3739,7 +3810,7 @@
                   </a:schemeClr>
                 </a:solidFill>
               </a:rPr>
-              <a:t> clone </a:t>
+              <a:t> </a:t>
             </a:r>
             <a:r>
               <a:rPr lang="en-US" b="1" dirty="0" smtClean="0">
@@ -3748,9 +3819,74 @@
                     <a:lumMod val="75000"/>
                   </a:schemeClr>
                 </a:solidFill>
-                <a:hlinkClick r:id="rId2"/>
               </a:rPr>
-              <a:t>https://github.com/marozau/cpp_craft_0314.git</a:t>
+              <a:t>clone </a:t>
+            </a:r>
+            <a:r>
+              <a:rPr lang="en-US" b="1" dirty="0" smtClean="0">
+                <a:solidFill>
+                  <a:schemeClr val="accent2">
+                    <a:lumMod val="75000"/>
+                  </a:schemeClr>
+                </a:solidFill>
+                <a:hlinkClick r:id="rId3"/>
+              </a:rPr>
+              <a:t>https://</a:t>
+            </a:r>
+            <a:r>
+              <a:rPr lang="en-US" b="1" dirty="0" smtClean="0">
+                <a:solidFill>
+                  <a:schemeClr val="accent2">
+                    <a:lumMod val="75000"/>
+                  </a:schemeClr>
+                </a:solidFill>
+                <a:hlinkClick r:id="rId3"/>
+              </a:rPr>
+              <a:t>github.com/</a:t>
+            </a:r>
+            <a:r>
+              <a:rPr lang="en-US" b="1" dirty="0" smtClean="0">
+                <a:solidFill>
+                  <a:schemeClr val="accent2">
+                    <a:lumMod val="75000"/>
+                  </a:schemeClr>
+                </a:solidFill>
+                <a:hlinkClick r:id="rId3"/>
+              </a:rPr>
+              <a:t>&lt; </a:t>
+            </a:r>
+            <a:r>
+              <a:rPr lang="en-US" b="1" smtClean="0">
+                <a:solidFill>
+                  <a:schemeClr val="accent2">
+                    <a:lumMod val="75000"/>
+                  </a:schemeClr>
+                </a:solidFill>
+                <a:hlinkClick r:id="rId3"/>
+              </a:rPr>
+              <a:t>github_user_name</a:t>
+            </a:r>
+            <a:r>
+              <a:rPr lang="en-US" b="1" dirty="0" smtClean="0">
+                <a:solidFill>
+                  <a:schemeClr val="accent2">
+                    <a:lumMod val="75000"/>
+                  </a:schemeClr>
+                </a:solidFill>
+                <a:hlinkClick r:id="rId3"/>
+              </a:rPr>
+              <a:t>&gt;</a:t>
+            </a:r>
+            <a:r>
+              <a:rPr lang="en-US" b="1" dirty="0" smtClean="0">
+                <a:solidFill>
+                  <a:schemeClr val="accent2">
+                    <a:lumMod val="75000"/>
+                  </a:schemeClr>
+                </a:solidFill>
+                <a:hlinkClick r:id="rId3"/>
+              </a:rPr>
+              <a:t>/cpp_craft_0314.git</a:t>
             </a:r>
             <a:endParaRPr lang="en-US" b="1" dirty="0" smtClean="0">
               <a:solidFill>
@@ -3987,7 +4123,7 @@
             </a:r>
             <a:r>
               <a:rPr lang="en-US" sz="2000" i="1" dirty="0" smtClean="0">
-                <a:hlinkClick r:id="rId3"/>
+                <a:hlinkClick r:id="rId4"/>
               </a:rPr>
               <a:t>http://git-scm.com/book/ru</a:t>
             </a:r>
@@ -4370,13 +4506,8 @@
             </a:r>
             <a:r>
               <a:rPr lang="en-US" dirty="0" smtClean="0"/>
-              <a:t>\1</a:t>
-            </a:r>
-            <a:r>
-              <a:rPr lang="en-US" dirty="0" smtClean="0"/>
-              <a:t>\ </a:t>
-            </a:r>
-            <a:endParaRPr lang="en-US" dirty="0" smtClean="0"/>
+              <a:t>\1\ </a:t>
+            </a:r>
           </a:p>
         </p:txBody>
       </p:sp>

--- a/lections/1/cpp_craft_intro.pptx
+++ b/lections/1/cpp_craft_intro.pptx
@@ -3717,7 +3717,7 @@
         </p:spPr>
         <p:txBody>
           <a:bodyPr>
-            <a:normAutofit fontScale="62500" lnSpcReduction="20000"/>
+            <a:normAutofit fontScale="55000" lnSpcReduction="20000"/>
           </a:bodyPr>
           <a:lstStyle/>
           <a:p>
@@ -3770,18 +3770,7 @@
                 </a:solidFill>
                 <a:hlinkClick r:id="rId2"/>
               </a:rPr>
-              <a:t>https://</a:t>
-            </a:r>
-            <a:r>
-              <a:rPr lang="en-US" b="1" dirty="0" smtClean="0">
-                <a:solidFill>
-                  <a:schemeClr val="accent2">
-                    <a:lumMod val="75000"/>
-                  </a:schemeClr>
-                </a:solidFill>
-                <a:hlinkClick r:id="rId2"/>
-              </a:rPr>
-              <a:t>github.com/marozau/cpp_craft_0314</a:t>
+              <a:t>https://github.com/marozau/cpp_craft_0314</a:t>
             </a:r>
             <a:endParaRPr lang="en-US" b="1" dirty="0" smtClean="0">
               <a:solidFill>
@@ -3810,17 +3799,7 @@
                   </a:schemeClr>
                 </a:solidFill>
               </a:rPr>
-              <a:t> </a:t>
-            </a:r>
-            <a:r>
-              <a:rPr lang="en-US" b="1" dirty="0" smtClean="0">
-                <a:solidFill>
-                  <a:schemeClr val="accent2">
-                    <a:lumMod val="75000"/>
-                  </a:schemeClr>
-                </a:solidFill>
-              </a:rPr>
-              <a:t>clone </a:t>
+              <a:t> clone </a:t>
             </a:r>
             <a:r>
               <a:rPr lang="en-US" b="1" dirty="0" smtClean="0">
@@ -3831,7 +3810,18 @@
                 </a:solidFill>
                 <a:hlinkClick r:id="rId3"/>
               </a:rPr>
-              <a:t>https://</a:t>
+              <a:t>https://github.com/&lt; </a:t>
+            </a:r>
+            <a:r>
+              <a:rPr lang="en-US" b="1" dirty="0" err="1" smtClean="0">
+                <a:solidFill>
+                  <a:schemeClr val="accent2">
+                    <a:lumMod val="75000"/>
+                  </a:schemeClr>
+                </a:solidFill>
+                <a:hlinkClick r:id="rId3"/>
+              </a:rPr>
+              <a:t>github_user_name</a:t>
             </a:r>
             <a:r>
               <a:rPr lang="en-US" b="1" dirty="0" smtClean="0">
@@ -3842,51 +3832,7 @@
                 </a:solidFill>
                 <a:hlinkClick r:id="rId3"/>
               </a:rPr>
-              <a:t>github.com/</a:t>
-            </a:r>
-            <a:r>
-              <a:rPr lang="en-US" b="1" dirty="0" smtClean="0">
-                <a:solidFill>
-                  <a:schemeClr val="accent2">
-                    <a:lumMod val="75000"/>
-                  </a:schemeClr>
-                </a:solidFill>
-                <a:hlinkClick r:id="rId3"/>
-              </a:rPr>
-              <a:t>&lt; </a:t>
-            </a:r>
-            <a:r>
-              <a:rPr lang="en-US" b="1" smtClean="0">
-                <a:solidFill>
-                  <a:schemeClr val="accent2">
-                    <a:lumMod val="75000"/>
-                  </a:schemeClr>
-                </a:solidFill>
-                <a:hlinkClick r:id="rId3"/>
-              </a:rPr>
-              <a:t>github_user_name</a:t>
-            </a:r>
-            <a:r>
-              <a:rPr lang="en-US" b="1" dirty="0" smtClean="0">
-                <a:solidFill>
-                  <a:schemeClr val="accent2">
-                    <a:lumMod val="75000"/>
-                  </a:schemeClr>
-                </a:solidFill>
-                <a:hlinkClick r:id="rId3"/>
-              </a:rPr>
-              <a:t>&gt;</a:t>
-            </a:r>
-            <a:r>
-              <a:rPr lang="en-US" b="1" dirty="0" smtClean="0">
-                <a:solidFill>
-                  <a:schemeClr val="accent2">
-                    <a:lumMod val="75000"/>
-                  </a:schemeClr>
-                </a:solidFill>
-                <a:hlinkClick r:id="rId3"/>
-              </a:rPr>
-              <a:t>/cpp_craft_0314.git</a:t>
+              <a:t>&gt;/cpp_craft_0314.git</a:t>
             </a:r>
             <a:endParaRPr lang="en-US" b="1" dirty="0" smtClean="0">
               <a:solidFill>
@@ -3963,7 +3909,79 @@
                   </a:schemeClr>
                 </a:solidFill>
               </a:rPr>
-              <a:t> commit –a –m “description”</a:t>
+              <a:t> add &lt;</a:t>
+            </a:r>
+            <a:r>
+              <a:rPr lang="en-US" b="1" dirty="0" err="1" smtClean="0">
+                <a:solidFill>
+                  <a:schemeClr val="accent2">
+                    <a:lumMod val="75000"/>
+                  </a:schemeClr>
+                </a:solidFill>
+              </a:rPr>
+              <a:t>your_working</a:t>
+            </a:r>
+            <a:r>
+              <a:rPr lang="en-US" b="1" dirty="0" err="1" smtClean="0">
+                <a:solidFill>
+                  <a:schemeClr val="accent2">
+                    <a:lumMod val="75000"/>
+                  </a:schemeClr>
+                </a:solidFill>
+              </a:rPr>
+              <a:t>_</a:t>
+            </a:r>
+            <a:r>
+              <a:rPr lang="en-US" b="1" dirty="0" err="1" smtClean="0">
+                <a:solidFill>
+                  <a:schemeClr val="accent2">
+                    <a:lumMod val="75000"/>
+                  </a:schemeClr>
+                </a:solidFill>
+              </a:rPr>
+              <a:t>folders_and_files</a:t>
+            </a:r>
+            <a:r>
+              <a:rPr lang="en-US" b="1" dirty="0" smtClean="0">
+                <a:solidFill>
+                  <a:schemeClr val="accent2">
+                    <a:lumMod val="75000"/>
+                  </a:schemeClr>
+                </a:solidFill>
+              </a:rPr>
+              <a:t>&gt;</a:t>
+            </a:r>
+          </a:p>
+          <a:p>
+            <a:r>
+              <a:rPr lang="en-US" b="1" dirty="0" err="1" smtClean="0">
+                <a:solidFill>
+                  <a:schemeClr val="accent2">
+                    <a:lumMod val="75000"/>
+                  </a:schemeClr>
+                </a:solidFill>
+              </a:rPr>
+              <a:t>git</a:t>
+            </a:r>
+            <a:r>
+              <a:rPr lang="en-US" b="1" dirty="0" smtClean="0">
+                <a:solidFill>
+                  <a:schemeClr val="accent2">
+                    <a:lumMod val="75000"/>
+                  </a:schemeClr>
+                </a:solidFill>
+              </a:rPr>
+              <a:t> </a:t>
+            </a:r>
+            <a:r>
+              <a:rPr lang="en-US" b="1" dirty="0" smtClean="0">
+                <a:solidFill>
+                  <a:schemeClr val="accent2">
+                    <a:lumMod val="75000"/>
+                  </a:schemeClr>
+                </a:solidFill>
+              </a:rPr>
+              <a:t>commit –a –m “description”</a:t>
             </a:r>
           </a:p>
           <a:p>

--- a/lections/1/cpp_craft_intro.pptx
+++ b/lections/1/cpp_craft_intro.pptx
@@ -3717,7 +3717,7 @@
         </p:spPr>
         <p:txBody>
           <a:bodyPr>
-            <a:normAutofit fontScale="55000" lnSpcReduction="20000"/>
+            <a:normAutofit fontScale="47500" lnSpcReduction="20000"/>
           </a:bodyPr>
           <a:lstStyle/>
           <a:p>
@@ -3832,7 +3832,18 @@
                 </a:solidFill>
                 <a:hlinkClick r:id="rId3"/>
               </a:rPr>
-              <a:t>&gt;/cpp_craft_0314.git</a:t>
+              <a:t>&gt;/</a:t>
+            </a:r>
+            <a:r>
+              <a:rPr lang="en-US" b="1" dirty="0" smtClean="0">
+                <a:solidFill>
+                  <a:schemeClr val="accent2">
+                    <a:lumMod val="75000"/>
+                  </a:schemeClr>
+                </a:solidFill>
+                <a:hlinkClick r:id="rId3"/>
+              </a:rPr>
+              <a:t>cpp_craft_0314.git</a:t>
             </a:r>
             <a:endParaRPr lang="en-US" b="1" dirty="0" smtClean="0">
               <a:solidFill>
@@ -3909,8 +3920,28 @@
                   </a:schemeClr>
                 </a:solidFill>
               </a:rPr>
-              <a:t> add &lt;</a:t>
-            </a:r>
+              <a:t> remote add upstream </a:t>
+            </a:r>
+            <a:r>
+              <a:rPr lang="en-US" b="1" dirty="0" smtClean="0">
+                <a:solidFill>
+                  <a:schemeClr val="accent2">
+                    <a:lumMod val="75000"/>
+                  </a:schemeClr>
+                </a:solidFill>
+                <a:hlinkClick r:id="rId3"/>
+              </a:rPr>
+              <a:t>https://github.com/marozau/cpp_craft_0314.git</a:t>
+            </a:r>
+            <a:endParaRPr lang="en-US" b="1" dirty="0" smtClean="0">
+              <a:solidFill>
+                <a:schemeClr val="accent2">
+                  <a:lumMod val="75000"/>
+                </a:schemeClr>
+              </a:solidFill>
+            </a:endParaRPr>
+          </a:p>
+          <a:p>
             <a:r>
               <a:rPr lang="en-US" b="1" dirty="0" err="1" smtClean="0">
                 <a:solidFill>
@@ -3919,8 +3950,29 @@
                   </a:schemeClr>
                 </a:solidFill>
               </a:rPr>
-              <a:t>your_working</a:t>
-            </a:r>
+              <a:t>git</a:t>
+            </a:r>
+            <a:r>
+              <a:rPr lang="en-US" b="1" dirty="0" smtClean="0">
+                <a:solidFill>
+                  <a:schemeClr val="accent2">
+                    <a:lumMod val="75000"/>
+                  </a:schemeClr>
+                </a:solidFill>
+              </a:rPr>
+              <a:t> pull upstream master</a:t>
+            </a:r>
+          </a:p>
+          <a:p>
+            <a:endParaRPr lang="en-US" b="1" dirty="0" smtClean="0">
+              <a:solidFill>
+                <a:schemeClr val="accent2">
+                  <a:lumMod val="75000"/>
+                </a:schemeClr>
+              </a:solidFill>
+            </a:endParaRPr>
+          </a:p>
+          <a:p>
             <a:r>
               <a:rPr lang="en-US" b="1" dirty="0" err="1" smtClean="0">
                 <a:solidFill>
@@ -3929,7 +3981,17 @@
                   </a:schemeClr>
                 </a:solidFill>
               </a:rPr>
-              <a:t>_</a:t>
+              <a:t>git</a:t>
+            </a:r>
+            <a:r>
+              <a:rPr lang="en-US" b="1" dirty="0" smtClean="0">
+                <a:solidFill>
+                  <a:schemeClr val="accent2">
+                    <a:lumMod val="75000"/>
+                  </a:schemeClr>
+                </a:solidFill>
+              </a:rPr>
+              <a:t> add &lt;</a:t>
             </a:r>
             <a:r>
               <a:rPr lang="en-US" b="1" dirty="0" err="1" smtClean="0">
@@ -3939,7 +4001,7 @@
                   </a:schemeClr>
                 </a:solidFill>
               </a:rPr>
-              <a:t>folders_and_files</a:t>
+              <a:t>your_working_folders_and_files</a:t>
             </a:r>
             <a:r>
               <a:rPr lang="en-US" b="1" dirty="0" smtClean="0">
@@ -3971,17 +4033,7 @@
                   </a:schemeClr>
                 </a:solidFill>
               </a:rPr>
-              <a:t> </a:t>
-            </a:r>
-            <a:r>
-              <a:rPr lang="en-US" b="1" dirty="0" smtClean="0">
-                <a:solidFill>
-                  <a:schemeClr val="accent2">
-                    <a:lumMod val="75000"/>
-                  </a:schemeClr>
-                </a:solidFill>
-              </a:rPr>
-              <a:t>commit –a –m “description”</a:t>
+              <a:t> commit –a –m “description”</a:t>
             </a:r>
           </a:p>
           <a:p>
